--- a/온종일_돌봄/2주차/정훈_산출물_2주차.pptx
+++ b/온종일_돌봄/2주차/정훈_산출물_2주차.pptx
@@ -5145,7 +5145,7 @@
                 <a16:creationId xmlns:a16="http://schemas.microsoft.com/office/drawing/2014/main" id="{A8DB9CD9-59B1-4D73-BC4C-98796A48EF9B}"/>
               </a:ext>
               <a:ext uri="{C183D7F6-B498-43B3-948B-1728B52AA6E4}">
-                <adec:decorative xmlns:adec="http://schemas.microsoft.com/office/drawing/2017/decorative" xmlns="" val="1"/>
+                <adec:decorative xmlns="" xmlns:adec="http://schemas.microsoft.com/office/drawing/2017/decorative" val="1"/>
               </a:ext>
             </a:extLst>
           </p:cNvPr>
@@ -5205,7 +5205,7 @@
                 <a16:creationId xmlns:a16="http://schemas.microsoft.com/office/drawing/2014/main" id="{8874A6A9-41FF-4E33-AFA8-F9F81436A59E}"/>
               </a:ext>
               <a:ext uri="{C183D7F6-B498-43B3-948B-1728B52AA6E4}">
-                <adec:decorative xmlns:adec="http://schemas.microsoft.com/office/drawing/2017/decorative" xmlns="" val="1"/>
+                <adec:decorative xmlns="" xmlns:adec="http://schemas.microsoft.com/office/drawing/2017/decorative" val="1"/>
               </a:ext>
             </a:extLst>
           </p:cNvPr>
@@ -5281,7 +5281,7 @@
                 <a16:creationId xmlns:a16="http://schemas.microsoft.com/office/drawing/2014/main" id="{721D730E-1F97-4071-B143-B05E6D2599BC}"/>
               </a:ext>
               <a:ext uri="{C183D7F6-B498-43B3-948B-1728B52AA6E4}">
-                <adec:decorative xmlns:adec="http://schemas.microsoft.com/office/drawing/2017/decorative" xmlns="" val="1"/>
+                <adec:decorative xmlns="" xmlns:adec="http://schemas.microsoft.com/office/drawing/2017/decorative" val="1"/>
               </a:ext>
             </a:extLst>
           </p:cNvPr>
@@ -5312,7 +5312,7 @@
                   <a16:creationId xmlns:a16="http://schemas.microsoft.com/office/drawing/2014/main" id="{B3849C6A-9EE5-4604-8EAE-DD4796B79D8E}"/>
                 </a:ext>
                 <a:ext uri="{C183D7F6-B498-43B3-948B-1728B52AA6E4}">
-                  <adec:decorative xmlns:adec="http://schemas.microsoft.com/office/drawing/2017/decorative" xmlns="" val="1"/>
+                  <adec:decorative xmlns="" xmlns:adec="http://schemas.microsoft.com/office/drawing/2017/decorative" val="1"/>
                 </a:ext>
               </a:extLst>
             </p:cNvPr>
@@ -6067,7 +6067,7 @@
                   <a16:creationId xmlns:a16="http://schemas.microsoft.com/office/drawing/2014/main" id="{308677BE-069B-4A4D-8732-E26B6EF5671A}"/>
                 </a:ext>
                 <a:ext uri="{C183D7F6-B498-43B3-948B-1728B52AA6E4}">
-                  <adec:decorative xmlns:adec="http://schemas.microsoft.com/office/drawing/2017/decorative" xmlns="" val="1"/>
+                  <adec:decorative xmlns="" xmlns:adec="http://schemas.microsoft.com/office/drawing/2017/decorative" val="1"/>
                 </a:ext>
               </a:extLst>
             </p:cNvPr>
@@ -6435,7 +6435,7 @@
                   <a16:creationId xmlns:a16="http://schemas.microsoft.com/office/drawing/2014/main" id="{9A9A575B-DD07-4388-963B-0AF3FDDCF3C0}"/>
                 </a:ext>
                 <a:ext uri="{C183D7F6-B498-43B3-948B-1728B52AA6E4}">
-                  <adec:decorative xmlns:adec="http://schemas.microsoft.com/office/drawing/2017/decorative" xmlns="" val="1"/>
+                  <adec:decorative xmlns="" xmlns:adec="http://schemas.microsoft.com/office/drawing/2017/decorative" val="1"/>
                 </a:ext>
               </a:extLst>
             </p:cNvPr>
@@ -6818,7 +6818,7 @@
                   <a16:creationId xmlns:a16="http://schemas.microsoft.com/office/drawing/2014/main" id="{D55285E4-21EB-4EC1-AB8E-36E881E89927}"/>
                 </a:ext>
                 <a:ext uri="{C183D7F6-B498-43B3-948B-1728B52AA6E4}">
-                  <adec:decorative xmlns:adec="http://schemas.microsoft.com/office/drawing/2017/decorative" xmlns="" val="1"/>
+                  <adec:decorative xmlns="" xmlns:adec="http://schemas.microsoft.com/office/drawing/2017/decorative" val="1"/>
                 </a:ext>
               </a:extLst>
             </p:cNvPr>
@@ -7709,7 +7709,7 @@
                   <a16:creationId xmlns:a16="http://schemas.microsoft.com/office/drawing/2014/main" id="{6A0C77B5-3FAA-4D4F-9555-89D751608873}"/>
                 </a:ext>
                 <a:ext uri="{C183D7F6-B498-43B3-948B-1728B52AA6E4}">
-                  <adec:decorative xmlns:adec="http://schemas.microsoft.com/office/drawing/2017/decorative" xmlns="" val="1"/>
+                  <adec:decorative xmlns="" xmlns:adec="http://schemas.microsoft.com/office/drawing/2017/decorative" val="1"/>
                 </a:ext>
               </a:extLst>
             </p:cNvPr>
@@ -8894,7 +8894,7 @@
                   <a16:creationId xmlns:a16="http://schemas.microsoft.com/office/drawing/2014/main" id="{5F0C96D1-A8B7-4C8E-9997-D823FD1591F9}"/>
                 </a:ext>
                 <a:ext uri="{C183D7F6-B498-43B3-948B-1728B52AA6E4}">
-                  <adec:decorative xmlns:adec="http://schemas.microsoft.com/office/drawing/2017/decorative" xmlns="" val="1"/>
+                  <adec:decorative xmlns="" xmlns:adec="http://schemas.microsoft.com/office/drawing/2017/decorative" val="1"/>
                 </a:ext>
               </a:extLst>
             </p:cNvPr>
@@ -10995,7 +10995,7 @@
                   <a16:creationId xmlns:a16="http://schemas.microsoft.com/office/drawing/2014/main" id="{DA46556D-445B-4CD0-87A0-02A30BD1B152}"/>
                 </a:ext>
                 <a:ext uri="{C183D7F6-B498-43B3-948B-1728B52AA6E4}">
-                  <adec:decorative xmlns:adec="http://schemas.microsoft.com/office/drawing/2017/decorative" xmlns="" val="1"/>
+                  <adec:decorative xmlns="" xmlns:adec="http://schemas.microsoft.com/office/drawing/2017/decorative" val="1"/>
                 </a:ext>
               </a:extLst>
             </p:cNvPr>
@@ -12498,19 +12498,7 @@
                 <a:cs typeface="Source Sans Pro"/>
                 <a:sym typeface="Source Sans Pro"/>
               </a:rPr>
-              <a:t>개발 범위 </a:t>
-            </a:r>
-            <a:r>
-              <a:rPr lang="ko-KR" altLang="en-US" sz="2000" b="1" dirty="0" smtClean="0">
-                <a:solidFill>
-                  <a:srgbClr val="2F3848"/>
-                </a:solidFill>
-                <a:latin typeface="Source Sans Pro"/>
-                <a:ea typeface="Source Sans Pro"/>
-                <a:cs typeface="Source Sans Pro"/>
-                <a:sym typeface="Source Sans Pro"/>
-              </a:rPr>
-              <a:t>구체화</a:t>
+              <a:t>개발 범위 구체화</a:t>
             </a:r>
             <a:r>
               <a:rPr lang="en-US" altLang="ko-KR" sz="2000" b="1" dirty="0" smtClean="0">
@@ -12695,15 +12683,6 @@
               </a:rPr>
               <a:t>!</a:t>
             </a:r>
-            <a:endParaRPr lang="en-US" altLang="ko-KR" sz="2000" b="1" dirty="0" smtClean="0">
-              <a:solidFill>
-                <a:srgbClr val="2F3848"/>
-              </a:solidFill>
-              <a:latin typeface="Source Sans Pro"/>
-              <a:ea typeface="Source Sans Pro"/>
-              <a:cs typeface="Source Sans Pro"/>
-              <a:sym typeface="Source Sans Pro"/>
-            </a:endParaRPr>
           </a:p>
           <a:p>
             <a:pPr marL="342900" indent="-342900">
@@ -12771,19 +12750,7 @@
                 <a:cs typeface="Source Sans Pro"/>
                 <a:sym typeface="Source Sans Pro"/>
               </a:rPr>
-              <a:t>주신자료</a:t>
-            </a:r>
-            <a:r>
-              <a:rPr lang="ko-KR" altLang="en-US" sz="2000" b="1" dirty="0" smtClean="0">
-                <a:solidFill>
-                  <a:srgbClr val="2F3848"/>
-                </a:solidFill>
-                <a:latin typeface="Source Sans Pro"/>
-                <a:ea typeface="Source Sans Pro"/>
-                <a:cs typeface="Source Sans Pro"/>
-                <a:sym typeface="Source Sans Pro"/>
-              </a:rPr>
-              <a:t>에서 사용된 요소를 </a:t>
+              <a:t>주신자료에서 사용된 요소를 </a:t>
             </a:r>
             <a:r>
               <a:rPr lang="ko-KR" altLang="en-US" sz="2000" b="1" dirty="0" err="1" smtClean="0">
@@ -13036,7 +13003,7 @@
                 <a16:creationId xmlns:a16="http://schemas.microsoft.com/office/drawing/2014/main" id="{A8DB9CD9-59B1-4D73-BC4C-98796A48EF9B}"/>
               </a:ext>
               <a:ext uri="{C183D7F6-B498-43B3-948B-1728B52AA6E4}">
-                <adec:decorative xmlns:adec="http://schemas.microsoft.com/office/drawing/2017/decorative" xmlns="" val="1"/>
+                <adec:decorative xmlns="" xmlns:adec="http://schemas.microsoft.com/office/drawing/2017/decorative" val="1"/>
               </a:ext>
             </a:extLst>
           </p:cNvPr>
@@ -13096,7 +13063,7 @@
                 <a16:creationId xmlns:a16="http://schemas.microsoft.com/office/drawing/2014/main" id="{8874A6A9-41FF-4E33-AFA8-F9F81436A59E}"/>
               </a:ext>
               <a:ext uri="{C183D7F6-B498-43B3-948B-1728B52AA6E4}">
-                <adec:decorative xmlns:adec="http://schemas.microsoft.com/office/drawing/2017/decorative" xmlns="" val="1"/>
+                <adec:decorative xmlns="" xmlns:adec="http://schemas.microsoft.com/office/drawing/2017/decorative" val="1"/>
               </a:ext>
             </a:extLst>
           </p:cNvPr>
@@ -13172,7 +13139,7 @@
                 <a16:creationId xmlns:a16="http://schemas.microsoft.com/office/drawing/2014/main" id="{721D730E-1F97-4071-B143-B05E6D2599BC}"/>
               </a:ext>
               <a:ext uri="{C183D7F6-B498-43B3-948B-1728B52AA6E4}">
-                <adec:decorative xmlns:adec="http://schemas.microsoft.com/office/drawing/2017/decorative" xmlns="" val="1"/>
+                <adec:decorative xmlns="" xmlns:adec="http://schemas.microsoft.com/office/drawing/2017/decorative" val="1"/>
               </a:ext>
             </a:extLst>
           </p:cNvPr>
@@ -13203,7 +13170,7 @@
                   <a16:creationId xmlns:a16="http://schemas.microsoft.com/office/drawing/2014/main" id="{B3849C6A-9EE5-4604-8EAE-DD4796B79D8E}"/>
                 </a:ext>
                 <a:ext uri="{C183D7F6-B498-43B3-948B-1728B52AA6E4}">
-                  <adec:decorative xmlns:adec="http://schemas.microsoft.com/office/drawing/2017/decorative" xmlns="" val="1"/>
+                  <adec:decorative xmlns="" xmlns:adec="http://schemas.microsoft.com/office/drawing/2017/decorative" val="1"/>
                 </a:ext>
               </a:extLst>
             </p:cNvPr>
@@ -13958,7 +13925,7 @@
                   <a16:creationId xmlns:a16="http://schemas.microsoft.com/office/drawing/2014/main" id="{308677BE-069B-4A4D-8732-E26B6EF5671A}"/>
                 </a:ext>
                 <a:ext uri="{C183D7F6-B498-43B3-948B-1728B52AA6E4}">
-                  <adec:decorative xmlns:adec="http://schemas.microsoft.com/office/drawing/2017/decorative" xmlns="" val="1"/>
+                  <adec:decorative xmlns="" xmlns:adec="http://schemas.microsoft.com/office/drawing/2017/decorative" val="1"/>
                 </a:ext>
               </a:extLst>
             </p:cNvPr>
@@ -14326,7 +14293,7 @@
                   <a16:creationId xmlns:a16="http://schemas.microsoft.com/office/drawing/2014/main" id="{9A9A575B-DD07-4388-963B-0AF3FDDCF3C0}"/>
                 </a:ext>
                 <a:ext uri="{C183D7F6-B498-43B3-948B-1728B52AA6E4}">
-                  <adec:decorative xmlns:adec="http://schemas.microsoft.com/office/drawing/2017/decorative" xmlns="" val="1"/>
+                  <adec:decorative xmlns="" xmlns:adec="http://schemas.microsoft.com/office/drawing/2017/decorative" val="1"/>
                 </a:ext>
               </a:extLst>
             </p:cNvPr>
@@ -14709,7 +14676,7 @@
                   <a16:creationId xmlns:a16="http://schemas.microsoft.com/office/drawing/2014/main" id="{D55285E4-21EB-4EC1-AB8E-36E881E89927}"/>
                 </a:ext>
                 <a:ext uri="{C183D7F6-B498-43B3-948B-1728B52AA6E4}">
-                  <adec:decorative xmlns:adec="http://schemas.microsoft.com/office/drawing/2017/decorative" xmlns="" val="1"/>
+                  <adec:decorative xmlns="" xmlns:adec="http://schemas.microsoft.com/office/drawing/2017/decorative" val="1"/>
                 </a:ext>
               </a:extLst>
             </p:cNvPr>
@@ -15600,7 +15567,7 @@
                   <a16:creationId xmlns:a16="http://schemas.microsoft.com/office/drawing/2014/main" id="{6A0C77B5-3FAA-4D4F-9555-89D751608873}"/>
                 </a:ext>
                 <a:ext uri="{C183D7F6-B498-43B3-948B-1728B52AA6E4}">
-                  <adec:decorative xmlns:adec="http://schemas.microsoft.com/office/drawing/2017/decorative" xmlns="" val="1"/>
+                  <adec:decorative xmlns="" xmlns:adec="http://schemas.microsoft.com/office/drawing/2017/decorative" val="1"/>
                 </a:ext>
               </a:extLst>
             </p:cNvPr>
@@ -16785,7 +16752,7 @@
                   <a16:creationId xmlns:a16="http://schemas.microsoft.com/office/drawing/2014/main" id="{5F0C96D1-A8B7-4C8E-9997-D823FD1591F9}"/>
                 </a:ext>
                 <a:ext uri="{C183D7F6-B498-43B3-948B-1728B52AA6E4}">
-                  <adec:decorative xmlns:adec="http://schemas.microsoft.com/office/drawing/2017/decorative" xmlns="" val="1"/>
+                  <adec:decorative xmlns="" xmlns:adec="http://schemas.microsoft.com/office/drawing/2017/decorative" val="1"/>
                 </a:ext>
               </a:extLst>
             </p:cNvPr>
@@ -18886,7 +18853,7 @@
                   <a16:creationId xmlns:a16="http://schemas.microsoft.com/office/drawing/2014/main" id="{DA46556D-445B-4CD0-87A0-02A30BD1B152}"/>
                 </a:ext>
                 <a:ext uri="{C183D7F6-B498-43B3-948B-1728B52AA6E4}">
-                  <adec:decorative xmlns:adec="http://schemas.microsoft.com/office/drawing/2017/decorative" xmlns="" val="1"/>
+                  <adec:decorative xmlns="" xmlns:adec="http://schemas.microsoft.com/office/drawing/2017/decorative" val="1"/>
                 </a:ext>
               </a:extLst>
             </p:cNvPr>
@@ -22357,7 +22324,7 @@
                 <a16:creationId xmlns:a16="http://schemas.microsoft.com/office/drawing/2014/main" id="{FA3C7DEA-BCC2-4295-8850-147993296189}"/>
               </a:ext>
               <a:ext uri="{C183D7F6-B498-43B3-948B-1728B52AA6E4}">
-                <adec:decorative xmlns:adec="http://schemas.microsoft.com/office/drawing/2017/decorative" xmlns="" val="1"/>
+                <adec:decorative xmlns="" xmlns:adec="http://schemas.microsoft.com/office/drawing/2017/decorative" val="1"/>
               </a:ext>
             </a:extLst>
           </p:cNvPr>
@@ -22417,7 +22384,7 @@
                 <a16:creationId xmlns:a16="http://schemas.microsoft.com/office/drawing/2014/main" id="{C289949D-B9F6-468A-86FE-2694DC5AE773}"/>
               </a:ext>
               <a:ext uri="{C183D7F6-B498-43B3-948B-1728B52AA6E4}">
-                <adec:decorative xmlns:adec="http://schemas.microsoft.com/office/drawing/2017/decorative" xmlns="" val="1"/>
+                <adec:decorative xmlns="" xmlns:adec="http://schemas.microsoft.com/office/drawing/2017/decorative" val="1"/>
               </a:ext>
             </a:extLst>
           </p:cNvPr>
@@ -22480,7 +22447,7 @@
                 <a16:creationId xmlns:a16="http://schemas.microsoft.com/office/drawing/2014/main" id="{E4DF0958-0C87-4C28-9554-2FADC788C2B1}"/>
               </a:ext>
               <a:ext uri="{C183D7F6-B498-43B3-948B-1728B52AA6E4}">
-                <adec:decorative xmlns:adec="http://schemas.microsoft.com/office/drawing/2017/decorative" xmlns="" val="1"/>
+                <adec:decorative xmlns="" xmlns:adec="http://schemas.microsoft.com/office/drawing/2017/decorative" val="1"/>
               </a:ext>
             </a:extLst>
           </p:cNvPr>
@@ -22516,7 +22483,7 @@
                   <a16:creationId xmlns:a16="http://schemas.microsoft.com/office/drawing/2014/main" id="{DEC53B48-7B73-49D1-A6FD-9DBF5141EA75}"/>
                 </a:ext>
                 <a:ext uri="{C183D7F6-B498-43B3-948B-1728B52AA6E4}">
-                  <adec:decorative xmlns:adec="http://schemas.microsoft.com/office/drawing/2017/decorative" xmlns="" val="1"/>
+                  <adec:decorative xmlns="" xmlns:adec="http://schemas.microsoft.com/office/drawing/2017/decorative" val="1"/>
                 </a:ext>
               </a:extLst>
             </p:cNvPr>
@@ -23178,7 +23145,7 @@
                   <a16:creationId xmlns:a16="http://schemas.microsoft.com/office/drawing/2014/main" id="{7DEDDC41-2C98-4AF1-A0EA-AEEC34827C23}"/>
                 </a:ext>
                 <a:ext uri="{C183D7F6-B498-43B3-948B-1728B52AA6E4}">
-                  <adec:decorative xmlns:adec="http://schemas.microsoft.com/office/drawing/2017/decorative" xmlns="" val="1"/>
+                  <adec:decorative xmlns="" xmlns:adec="http://schemas.microsoft.com/office/drawing/2017/decorative" val="1"/>
                 </a:ext>
               </a:extLst>
             </p:cNvPr>
@@ -23894,7 +23861,7 @@
                   <a16:creationId xmlns:a16="http://schemas.microsoft.com/office/drawing/2014/main" id="{D2208F20-F93C-4530-8370-FC7818BABB30}"/>
                 </a:ext>
                 <a:ext uri="{C183D7F6-B498-43B3-948B-1728B52AA6E4}">
-                  <adec:decorative xmlns:adec="http://schemas.microsoft.com/office/drawing/2017/decorative" xmlns="" val="1"/>
+                  <adec:decorative xmlns="" xmlns:adec="http://schemas.microsoft.com/office/drawing/2017/decorative" val="1"/>
                 </a:ext>
               </a:extLst>
             </p:cNvPr>
@@ -24116,7 +24083,7 @@
                   <a16:creationId xmlns:a16="http://schemas.microsoft.com/office/drawing/2014/main" id="{E52F51E0-B50B-43EA-B6AC-C16BD29C3EDD}"/>
                 </a:ext>
                 <a:ext uri="{C183D7F6-B498-43B3-948B-1728B52AA6E4}">
-                  <adec:decorative xmlns:adec="http://schemas.microsoft.com/office/drawing/2017/decorative" xmlns="" val="1"/>
+                  <adec:decorative xmlns="" xmlns:adec="http://schemas.microsoft.com/office/drawing/2017/decorative" val="1"/>
                 </a:ext>
               </a:extLst>
             </p:cNvPr>
@@ -27440,7 +27407,7 @@
                 <a16:creationId xmlns:a16="http://schemas.microsoft.com/office/drawing/2014/main" id="{4BC99CB9-DDAD-44A2-8A1C-E3AF4E72DF5C}"/>
               </a:ext>
               <a:ext uri="{C183D7F6-B498-43B3-948B-1728B52AA6E4}">
-                <adec:decorative xmlns:adec="http://schemas.microsoft.com/office/drawing/2017/decorative" xmlns="" val="1"/>
+                <adec:decorative xmlns="" xmlns:adec="http://schemas.microsoft.com/office/drawing/2017/decorative" val="1"/>
               </a:ext>
             </a:extLst>
           </p:cNvPr>
@@ -27500,7 +27467,7 @@
                 <a16:creationId xmlns:a16="http://schemas.microsoft.com/office/drawing/2014/main" id="{64053CBF-3932-45FF-8285-EE5146085F3A}"/>
               </a:ext>
               <a:ext uri="{C183D7F6-B498-43B3-948B-1728B52AA6E4}">
-                <adec:decorative xmlns:adec="http://schemas.microsoft.com/office/drawing/2017/decorative" xmlns="" val="1"/>
+                <adec:decorative xmlns="" xmlns:adec="http://schemas.microsoft.com/office/drawing/2017/decorative" val="1"/>
               </a:ext>
             </a:extLst>
           </p:cNvPr>
@@ -27576,7 +27543,7 @@
                 <a16:creationId xmlns:a16="http://schemas.microsoft.com/office/drawing/2014/main" id="{2E751C04-BEA6-446B-A678-9C74819EBD4C}"/>
               </a:ext>
               <a:ext uri="{C183D7F6-B498-43B3-948B-1728B52AA6E4}">
-                <adec:decorative xmlns:adec="http://schemas.microsoft.com/office/drawing/2017/decorative" xmlns="" val="1"/>
+                <adec:decorative xmlns="" xmlns:adec="http://schemas.microsoft.com/office/drawing/2017/decorative" val="1"/>
               </a:ext>
             </a:extLst>
           </p:cNvPr>
@@ -27612,7 +27579,7 @@
                   <a16:creationId xmlns:a16="http://schemas.microsoft.com/office/drawing/2014/main" id="{2625A013-D9BE-43C4-AF21-6F2B003EFBEF}"/>
                 </a:ext>
                 <a:ext uri="{C183D7F6-B498-43B3-948B-1728B52AA6E4}">
-                  <adec:decorative xmlns:adec="http://schemas.microsoft.com/office/drawing/2017/decorative" xmlns="" val="1"/>
+                  <adec:decorative xmlns="" xmlns:adec="http://schemas.microsoft.com/office/drawing/2017/decorative" val="1"/>
                 </a:ext>
               </a:extLst>
             </p:cNvPr>
@@ -28250,7 +28217,7 @@
                   <a16:creationId xmlns:a16="http://schemas.microsoft.com/office/drawing/2014/main" id="{F7875715-EC2E-457F-851D-F6C817685FEC}"/>
                 </a:ext>
                 <a:ext uri="{C183D7F6-B498-43B3-948B-1728B52AA6E4}">
-                  <adec:decorative xmlns:adec="http://schemas.microsoft.com/office/drawing/2017/decorative" xmlns="" val="1"/>
+                  <adec:decorative xmlns="" xmlns:adec="http://schemas.microsoft.com/office/drawing/2017/decorative" val="1"/>
                 </a:ext>
               </a:extLst>
             </p:cNvPr>
@@ -28942,7 +28909,7 @@
                   <a16:creationId xmlns:a16="http://schemas.microsoft.com/office/drawing/2014/main" id="{F7E41CC6-0C83-40EE-80BB-79394D9E9B2F}"/>
                 </a:ext>
                 <a:ext uri="{C183D7F6-B498-43B3-948B-1728B52AA6E4}">
-                  <adec:decorative xmlns:adec="http://schemas.microsoft.com/office/drawing/2017/decorative" xmlns="" val="1"/>
+                  <adec:decorative xmlns="" xmlns:adec="http://schemas.microsoft.com/office/drawing/2017/decorative" val="1"/>
                 </a:ext>
               </a:extLst>
             </p:cNvPr>
@@ -29140,7 +29107,7 @@
                   <a16:creationId xmlns:a16="http://schemas.microsoft.com/office/drawing/2014/main" id="{00603498-5DFE-4D26-BFB5-C9269C9BDB0A}"/>
                 </a:ext>
                 <a:ext uri="{C183D7F6-B498-43B3-948B-1728B52AA6E4}">
-                  <adec:decorative xmlns:adec="http://schemas.microsoft.com/office/drawing/2017/decorative" xmlns="" val="1"/>
+                  <adec:decorative xmlns="" xmlns:adec="http://schemas.microsoft.com/office/drawing/2017/decorative" val="1"/>
                 </a:ext>
               </a:extLst>
             </p:cNvPr>
@@ -29522,11 +29489,6 @@
               </a:rPr>
               <a:t>앞으로의 진행방향</a:t>
             </a:r>
-            <a:endParaRPr lang="ko-KR" altLang="en-US" sz="2400" b="1" dirty="0">
-              <a:solidFill>
-                <a:schemeClr val="tx2"/>
-              </a:solidFill>
-            </a:endParaRPr>
           </a:p>
         </p:txBody>
       </p:sp>
@@ -29538,7 +29500,7 @@
                 <a16:creationId xmlns:a16="http://schemas.microsoft.com/office/drawing/2014/main" id="{B63ACBA3-DEFD-4C6D-BBA0-64468FA99C2D}"/>
               </a:ext>
               <a:ext uri="{C183D7F6-B498-43B3-948B-1728B52AA6E4}">
-                <adec:decorative xmlns:adec="http://schemas.microsoft.com/office/drawing/2017/decorative" xmlns="" val="1"/>
+                <adec:decorative xmlns="" xmlns:adec="http://schemas.microsoft.com/office/drawing/2017/decorative" val="1"/>
               </a:ext>
             </a:extLst>
           </p:cNvPr>
@@ -29574,7 +29536,7 @@
                   <a16:creationId xmlns:a16="http://schemas.microsoft.com/office/drawing/2014/main" id="{62F7819D-2B89-4D80-A1C3-8B318116BAAD}"/>
                 </a:ext>
                 <a:ext uri="{C183D7F6-B498-43B3-948B-1728B52AA6E4}">
-                  <adec:decorative xmlns:adec="http://schemas.microsoft.com/office/drawing/2017/decorative" xmlns="" val="1"/>
+                  <adec:decorative xmlns="" xmlns:adec="http://schemas.microsoft.com/office/drawing/2017/decorative" val="1"/>
                 </a:ext>
               </a:extLst>
             </p:cNvPr>
@@ -29948,7 +29910,7 @@
                   <a16:creationId xmlns:a16="http://schemas.microsoft.com/office/drawing/2014/main" id="{B7065990-2350-41B3-858B-20EF8744F26C}"/>
                 </a:ext>
                 <a:ext uri="{C183D7F6-B498-43B3-948B-1728B52AA6E4}">
-                  <adec:decorative xmlns:adec="http://schemas.microsoft.com/office/drawing/2017/decorative" xmlns="" val="1"/>
+                  <adec:decorative xmlns="" xmlns:adec="http://schemas.microsoft.com/office/drawing/2017/decorative" val="1"/>
                 </a:ext>
               </a:extLst>
             </p:cNvPr>
@@ -30116,7 +30078,7 @@
                   <a16:creationId xmlns:a16="http://schemas.microsoft.com/office/drawing/2014/main" id="{58DA7EC7-CAA0-4665-AA29-BFBA806ECAB2}"/>
                 </a:ext>
                 <a:ext uri="{C183D7F6-B498-43B3-948B-1728B52AA6E4}">
-                  <adec:decorative xmlns:adec="http://schemas.microsoft.com/office/drawing/2017/decorative" xmlns="" val="1"/>
+                  <adec:decorative xmlns="" xmlns:adec="http://schemas.microsoft.com/office/drawing/2017/decorative" val="1"/>
                 </a:ext>
               </a:extLst>
             </p:cNvPr>
@@ -30346,7 +30308,7 @@
                   <a16:creationId xmlns:a16="http://schemas.microsoft.com/office/drawing/2014/main" id="{B1132A14-489F-4CED-B626-2A1711C987C2}"/>
                 </a:ext>
                 <a:ext uri="{C183D7F6-B498-43B3-948B-1728B52AA6E4}">
-                  <adec:decorative xmlns:adec="http://schemas.microsoft.com/office/drawing/2017/decorative" xmlns="" val="1"/>
+                  <adec:decorative xmlns="" xmlns:adec="http://schemas.microsoft.com/office/drawing/2017/decorative" val="1"/>
                 </a:ext>
               </a:extLst>
             </p:cNvPr>
@@ -30654,7 +30616,50 @@
               </a:spcBef>
             </a:pPr>
             <a:r>
-              <a:rPr lang="en-US" altLang="ko-KR" sz="2000" b="1" dirty="0">
+              <a:rPr lang="ko-KR" altLang="en-US" sz="2800" b="1" dirty="0" err="1" smtClean="0">
+                <a:solidFill>
+                  <a:srgbClr val="2F3848"/>
+                </a:solidFill>
+                <a:latin typeface="Source Sans Pro"/>
+                <a:ea typeface="Source Sans Pro"/>
+                <a:cs typeface="Source Sans Pro"/>
+                <a:sym typeface="Source Sans Pro"/>
+              </a:rPr>
+              <a:t>대분류</a:t>
+            </a:r>
+            <a:r>
+              <a:rPr lang="ko-KR" altLang="en-US" sz="2800" b="1" dirty="0" smtClean="0">
+                <a:solidFill>
+                  <a:srgbClr val="2F3848"/>
+                </a:solidFill>
+                <a:latin typeface="Source Sans Pro"/>
+                <a:ea typeface="Source Sans Pro"/>
+                <a:cs typeface="Source Sans Pro"/>
+                <a:sym typeface="Source Sans Pro"/>
+              </a:rPr>
+              <a:t> 중분류로 나누자</a:t>
+            </a:r>
+            <a:r>
+              <a:rPr lang="en-US" altLang="ko-KR" sz="2800" b="1" dirty="0" smtClean="0">
+                <a:solidFill>
+                  <a:srgbClr val="2F3848"/>
+                </a:solidFill>
+                <a:latin typeface="Source Sans Pro"/>
+                <a:ea typeface="Source Sans Pro"/>
+                <a:cs typeface="Source Sans Pro"/>
+                <a:sym typeface="Source Sans Pro"/>
+              </a:rPr>
+              <a:t>!!!!!!!</a:t>
+            </a:r>
+          </a:p>
+          <a:p>
+            <a:pPr>
+              <a:spcBef>
+                <a:spcPts val="600"/>
+              </a:spcBef>
+            </a:pPr>
+            <a:r>
+              <a:rPr lang="en-US" altLang="ko-KR" sz="2000" b="1" dirty="0" smtClean="0">
                 <a:solidFill>
                   <a:srgbClr val="2F3848"/>
                 </a:solidFill>
@@ -30675,7 +30680,19 @@
                 <a:cs typeface="Source Sans Pro"/>
                 <a:sym typeface="Source Sans Pro"/>
               </a:rPr>
-              <a:t>회원은 가입</a:t>
+              <a:t>회원은 </a:t>
+            </a:r>
+            <a:r>
+              <a:rPr lang="ko-KR" altLang="en-US" sz="2000" b="1" dirty="0" smtClean="0">
+                <a:solidFill>
+                  <a:srgbClr val="2F3848"/>
+                </a:solidFill>
+                <a:latin typeface="Source Sans Pro"/>
+                <a:ea typeface="Source Sans Pro"/>
+                <a:cs typeface="Source Sans Pro"/>
+                <a:sym typeface="Source Sans Pro"/>
+              </a:rPr>
+              <a:t>가입</a:t>
             </a:r>
             <a:r>
               <a:rPr lang="en-US" altLang="ko-KR" sz="2000" b="1" dirty="0" smtClean="0">
@@ -31840,6 +31857,65 @@
               </a:spcBef>
             </a:pPr>
             <a:r>
+              <a:rPr lang="ko-KR" altLang="en-US" sz="2000" b="1" dirty="0" err="1">
+                <a:solidFill>
+                  <a:srgbClr val="2F3848"/>
+                </a:solidFill>
+                <a:latin typeface="Source Sans Pro"/>
+                <a:ea typeface="Source Sans Pro"/>
+                <a:cs typeface="Source Sans Pro"/>
+                <a:sym typeface="Source Sans Pro"/>
+              </a:rPr>
+              <a:t>대분류</a:t>
+            </a:r>
+            <a:r>
+              <a:rPr lang="ko-KR" altLang="en-US" sz="2000" b="1" dirty="0">
+                <a:solidFill>
+                  <a:srgbClr val="2F3848"/>
+                </a:solidFill>
+                <a:latin typeface="Source Sans Pro"/>
+                <a:ea typeface="Source Sans Pro"/>
+                <a:cs typeface="Source Sans Pro"/>
+                <a:sym typeface="Source Sans Pro"/>
+              </a:rPr>
+              <a:t> 중분류로 나누자</a:t>
+            </a:r>
+            <a:r>
+              <a:rPr lang="en-US" altLang="ko-KR" sz="2000" b="1" dirty="0">
+                <a:solidFill>
+                  <a:srgbClr val="2F3848"/>
+                </a:solidFill>
+                <a:latin typeface="Source Sans Pro"/>
+                <a:ea typeface="Source Sans Pro"/>
+                <a:cs typeface="Source Sans Pro"/>
+                <a:sym typeface="Source Sans Pro"/>
+              </a:rPr>
+              <a:t>!!!!!!!</a:t>
+            </a:r>
+          </a:p>
+          <a:p>
+            <a:pPr>
+              <a:spcBef>
+                <a:spcPts val="600"/>
+              </a:spcBef>
+            </a:pPr>
+            <a:endParaRPr lang="en-US" altLang="ko-KR" sz="2000" b="1" dirty="0" smtClean="0">
+              <a:solidFill>
+                <a:srgbClr val="2F3848"/>
+              </a:solidFill>
+              <a:latin typeface="Source Sans Pro"/>
+              <a:ea typeface="Source Sans Pro"/>
+              <a:cs typeface="Source Sans Pro"/>
+              <a:sym typeface="Source Sans Pro"/>
+            </a:endParaRPr>
+          </a:p>
+          <a:p>
+            <a:pPr>
+              <a:spcBef>
+                <a:spcPts val="600"/>
+              </a:spcBef>
+            </a:pPr>
+            <a:r>
               <a:rPr lang="en-US" altLang="ko-KR" sz="2000" b="1" dirty="0" smtClean="0">
                 <a:solidFill>
                   <a:srgbClr val="2F3848"/>
@@ -32370,7 +32446,7 @@
             <a:pPr algn="ctr"/>
             <a:r>
               <a:rPr lang="ko-KR" altLang="en-US" b="1" dirty="0" smtClean="0"/>
-              <a:t>프로젝트 설계도</a:t>
+              <a:t>메뉴 구조도</a:t>
             </a:r>
             <a:endParaRPr lang="en" b="1" dirty="0"/>
           </a:p>
@@ -40590,14 +40666,14 @@
           <p:nvPr>
             <p:extLst>
               <p:ext uri="{D42A27DB-BD31-4B8C-83A1-F6EECF244321}">
-                <p14:modId xmlns:p14="http://schemas.microsoft.com/office/powerpoint/2010/main" val="3539304479"/>
+                <p14:modId xmlns:p14="http://schemas.microsoft.com/office/powerpoint/2010/main" val="1043269396"/>
               </p:ext>
             </p:extLst>
           </p:nvPr>
         </p:nvGraphicFramePr>
         <p:xfrm>
           <a:off x="2324620" y="1956658"/>
-          <a:ext cx="7986361" cy="4235877"/>
+          <a:ext cx="7986361" cy="4174917"/>
         </p:xfrm>
         <a:graphic>
           <a:graphicData uri="http://schemas.openxmlformats.org/drawingml/2006/table">
@@ -41907,7 +41983,7 @@
                           <a:latin typeface="굴림체" panose="020B0609000101010101" pitchFamily="49" charset="-127"/>
                           <a:ea typeface="굴림체" panose="020B0609000101010101" pitchFamily="49" charset="-127"/>
                         </a:rPr>
-                        <a:t>Aws Ec2,</a:t>
+                        <a:t>Ubuntu</a:t>
                       </a:r>
                       <a:r>
                         <a:rPr lang="en-US" sz="1600" b="1" i="0" u="none" strike="noStrike" baseline="0" dirty="0" smtClean="0">
@@ -41921,15 +41997,26 @@
                         <a:t> </a:t>
                       </a:r>
                       <a:r>
-                        <a:rPr lang="en-US" sz="2000" b="1" i="0" u="none" strike="noStrike" baseline="0" dirty="0" smtClean="0">
+                        <a:rPr lang="en-US" sz="1600" b="1" i="0" u="none" strike="noStrike" baseline="0" dirty="0" err="1" smtClean="0">
                           <a:solidFill>
-                            <a:srgbClr val="00B0F0"/>
+                            <a:schemeClr val="bg1"/>
                           </a:solidFill>
                           <a:effectLst/>
                           <a:latin typeface="굴림체" panose="020B0609000101010101" pitchFamily="49" charset="-127"/>
                           <a:ea typeface="굴림체" panose="020B0609000101010101" pitchFamily="49" charset="-127"/>
                         </a:rPr>
-                        <a:t>Docker</a:t>
+                        <a:t>linux</a:t>
+                      </a:r>
+                      <a:r>
+                        <a:rPr lang="en-US" sz="1600" b="1" i="0" u="none" strike="noStrike" baseline="0" smtClean="0">
+                          <a:solidFill>
+                            <a:schemeClr val="bg1"/>
+                          </a:solidFill>
+                          <a:effectLst/>
+                          <a:latin typeface="굴림체" panose="020B0609000101010101" pitchFamily="49" charset="-127"/>
+                          <a:ea typeface="굴림체" panose="020B0609000101010101" pitchFamily="49" charset="-127"/>
+                        </a:rPr>
+                        <a:t>(ubuntu-18.04.5-desktop-amd64)</a:t>
                       </a:r>
                       <a:endParaRPr lang="en-US" sz="2000" b="1" dirty="0">
                         <a:solidFill>
@@ -42461,11 +42548,11 @@
   <p:clrMapOvr>
     <a:masterClrMapping/>
   </p:clrMapOvr>
-  <mc:AlternateContent xmlns:mc="http://schemas.openxmlformats.org/markup-compatibility/2006">
-    <mc:Choice xmlns:p14="http://schemas.microsoft.com/office/powerpoint/2010/main" Requires="p14">
+  <mc:AlternateContent xmlns:mc="http://schemas.openxmlformats.org/markup-compatibility/2006" xmlns:p14="http://schemas.microsoft.com/office/powerpoint/2010/main">
+    <mc:Choice Requires="p14">
       <p:transition spd="slow" p14:dur="2000"/>
     </mc:Choice>
-    <mc:Fallback>
+    <mc:Fallback xmlns="">
       <p:transition spd="slow"/>
     </mc:Fallback>
   </mc:AlternateContent>
